--- a/TrackMania Midterm.pptx
+++ b/TrackMania Midterm.pptx
@@ -15995,7 +15995,7 @@
             </a:pPr>
             <a:r>
               <a:rPr lang="en" sz="3000"/>
-              <a:t>Reward Stats</a:t>
+              <a:t>Reward Statsx	</a:t>
             </a:r>
             <a:endParaRPr sz="3000"/>
           </a:p>
@@ -18083,7 +18083,7 @@
         </p:blipFill>
         <p:spPr>
           <a:xfrm>
-            <a:off x="0" y="0"/>
+            <a:off x="-79150" y="0"/>
             <a:ext cx="9143985" cy="5143500"/>
           </a:xfrm>
           <a:prstGeom prst="rect">
@@ -18104,44 +18104,44 @@
 </file>
 
 <file path=ppt/theme/theme1.xml><?xml version="1.0" encoding="utf-8"?>
-<a:theme xmlns:a="http://schemas.openxmlformats.org/drawingml/2006/main" xmlns:r="http://schemas.openxmlformats.org/officeDocument/2006/relationships">
+<a:theme xmlns:a="http://schemas.openxmlformats.org/drawingml/2006/main" xmlns:r="http://schemas.openxmlformats.org/officeDocument/2006/relationships" name="Focus">
   <a:themeElements>
-    <a:clrScheme name="Default">
+    <a:clrScheme name="Focus">
       <a:dk1>
-        <a:srgbClr val="000000"/>
+        <a:srgbClr val="1B212C"/>
       </a:dk1>
       <a:lt1>
         <a:srgbClr val="FFFFFF"/>
       </a:lt1>
       <a:dk2>
-        <a:srgbClr val="158158"/>
+        <a:srgbClr val="D9D9D9"/>
       </a:dk2>
       <a:lt2>
-        <a:srgbClr val="F3F3F3"/>
+        <a:srgbClr val="82C7A5"/>
       </a:lt2>
       <a:accent1>
-        <a:srgbClr val="058DC7"/>
+        <a:srgbClr val="0145AC"/>
       </a:accent1>
       <a:accent2>
-        <a:srgbClr val="50B432"/>
+        <a:srgbClr val="EECE1A"/>
       </a:accent2>
       <a:accent3>
-        <a:srgbClr val="ED561B"/>
+        <a:srgbClr val="4E5567"/>
       </a:accent3>
       <a:accent4>
-        <a:srgbClr val="EDEF00"/>
+        <a:srgbClr val="F4D6AD"/>
       </a:accent4>
       <a:accent5>
-        <a:srgbClr val="24CBE5"/>
+        <a:srgbClr val="7890CD"/>
       </a:accent5>
       <a:accent6>
-        <a:srgbClr val="64E572"/>
+        <a:srgbClr val="F15E22"/>
       </a:accent6>
       <a:hlink>
-        <a:srgbClr val="2200CC"/>
+        <a:srgbClr val="7890CD"/>
       </a:hlink>
       <a:folHlink>
-        <a:srgbClr val="551A8B"/>
+        <a:srgbClr val="7890CD"/>
       </a:folHlink>
     </a:clrScheme>
     <a:fontScheme name="Office">
@@ -18383,44 +18383,44 @@
 </file>
 
 <file path=ppt/theme/theme2.xml><?xml version="1.0" encoding="utf-8"?>
-<a:theme xmlns:a="http://schemas.openxmlformats.org/drawingml/2006/main" xmlns:r="http://schemas.openxmlformats.org/officeDocument/2006/relationships" name="Focus">
+<a:theme xmlns:a="http://schemas.openxmlformats.org/drawingml/2006/main" xmlns:r="http://schemas.openxmlformats.org/officeDocument/2006/relationships">
   <a:themeElements>
-    <a:clrScheme name="Focus">
+    <a:clrScheme name="Default">
       <a:dk1>
-        <a:srgbClr val="1B212C"/>
+        <a:srgbClr val="000000"/>
       </a:dk1>
       <a:lt1>
         <a:srgbClr val="FFFFFF"/>
       </a:lt1>
       <a:dk2>
-        <a:srgbClr val="D9D9D9"/>
+        <a:srgbClr val="158158"/>
       </a:dk2>
       <a:lt2>
-        <a:srgbClr val="82C7A5"/>
+        <a:srgbClr val="F3F3F3"/>
       </a:lt2>
       <a:accent1>
-        <a:srgbClr val="0145AC"/>
+        <a:srgbClr val="058DC7"/>
       </a:accent1>
       <a:accent2>
-        <a:srgbClr val="EECE1A"/>
+        <a:srgbClr val="50B432"/>
       </a:accent2>
       <a:accent3>
-        <a:srgbClr val="4E5567"/>
+        <a:srgbClr val="ED561B"/>
       </a:accent3>
       <a:accent4>
-        <a:srgbClr val="F4D6AD"/>
+        <a:srgbClr val="EDEF00"/>
       </a:accent4>
       <a:accent5>
-        <a:srgbClr val="7890CD"/>
+        <a:srgbClr val="24CBE5"/>
       </a:accent5>
       <a:accent6>
-        <a:srgbClr val="F15E22"/>
+        <a:srgbClr val="64E572"/>
       </a:accent6>
       <a:hlink>
-        <a:srgbClr val="7890CD"/>
+        <a:srgbClr val="2200CC"/>
       </a:hlink>
       <a:folHlink>
-        <a:srgbClr val="7890CD"/>
+        <a:srgbClr val="551A8B"/>
       </a:folHlink>
     </a:clrScheme>
     <a:fontScheme name="Office">
